--- a/docs/diagrams/UndoRedoExecuteUndoStackDiagram.pptx
+++ b/docs/diagrams/UndoRedoExecuteUndoStackDiagram.pptx
@@ -265,9 +265,9 @@
           <a:p>
             <a:fld id="{03EC4E3E-8101-482F-A883-8B55DAFF7C07}" type="datetimeFigureOut">
               <a:rPr lang="en-SG" smtClean="0"/>
-              <a:t>30/7/2017</a:t>
+              <a:t>13/11/2017</a:t>
             </a:fld>
-            <a:endParaRPr lang="en-SG"/>
+            <a:endParaRPr lang="en-SG" dirty="0"/>
           </a:p>
         </p:txBody>
       </p:sp>
@@ -292,7 +292,7 @@
           <a:bodyPr/>
           <a:lstStyle/>
           <a:p>
-            <a:endParaRPr lang="en-SG"/>
+            <a:endParaRPr lang="en-SG" dirty="0"/>
           </a:p>
         </p:txBody>
       </p:sp>
@@ -321,7 +321,7 @@
               <a:rPr lang="en-SG" smtClean="0"/>
               <a:t>‹#›</a:t>
             </a:fld>
-            <a:endParaRPr lang="en-SG"/>
+            <a:endParaRPr lang="en-SG" dirty="0"/>
           </a:p>
         </p:txBody>
       </p:sp>
@@ -465,9 +465,9 @@
           <a:p>
             <a:fld id="{03EC4E3E-8101-482F-A883-8B55DAFF7C07}" type="datetimeFigureOut">
               <a:rPr lang="en-SG" smtClean="0"/>
-              <a:t>30/7/2017</a:t>
+              <a:t>13/11/2017</a:t>
             </a:fld>
-            <a:endParaRPr lang="en-SG"/>
+            <a:endParaRPr lang="en-SG" dirty="0"/>
           </a:p>
         </p:txBody>
       </p:sp>
@@ -492,7 +492,7 @@
           <a:bodyPr/>
           <a:lstStyle/>
           <a:p>
-            <a:endParaRPr lang="en-SG"/>
+            <a:endParaRPr lang="en-SG" dirty="0"/>
           </a:p>
         </p:txBody>
       </p:sp>
@@ -521,7 +521,7 @@
               <a:rPr lang="en-SG" smtClean="0"/>
               <a:t>‹#›</a:t>
             </a:fld>
-            <a:endParaRPr lang="en-SG"/>
+            <a:endParaRPr lang="en-SG" dirty="0"/>
           </a:p>
         </p:txBody>
       </p:sp>
@@ -675,9 +675,9 @@
           <a:p>
             <a:fld id="{03EC4E3E-8101-482F-A883-8B55DAFF7C07}" type="datetimeFigureOut">
               <a:rPr lang="en-SG" smtClean="0"/>
-              <a:t>30/7/2017</a:t>
+              <a:t>13/11/2017</a:t>
             </a:fld>
-            <a:endParaRPr lang="en-SG"/>
+            <a:endParaRPr lang="en-SG" dirty="0"/>
           </a:p>
         </p:txBody>
       </p:sp>
@@ -702,7 +702,7 @@
           <a:bodyPr/>
           <a:lstStyle/>
           <a:p>
-            <a:endParaRPr lang="en-SG"/>
+            <a:endParaRPr lang="en-SG" dirty="0"/>
           </a:p>
         </p:txBody>
       </p:sp>
@@ -731,7 +731,7 @@
               <a:rPr lang="en-SG" smtClean="0"/>
               <a:t>‹#›</a:t>
             </a:fld>
-            <a:endParaRPr lang="en-SG"/>
+            <a:endParaRPr lang="en-SG" dirty="0"/>
           </a:p>
         </p:txBody>
       </p:sp>
@@ -875,9 +875,9 @@
           <a:p>
             <a:fld id="{03EC4E3E-8101-482F-A883-8B55DAFF7C07}" type="datetimeFigureOut">
               <a:rPr lang="en-SG" smtClean="0"/>
-              <a:t>30/7/2017</a:t>
+              <a:t>13/11/2017</a:t>
             </a:fld>
-            <a:endParaRPr lang="en-SG"/>
+            <a:endParaRPr lang="en-SG" dirty="0"/>
           </a:p>
         </p:txBody>
       </p:sp>
@@ -902,7 +902,7 @@
           <a:bodyPr/>
           <a:lstStyle/>
           <a:p>
-            <a:endParaRPr lang="en-SG"/>
+            <a:endParaRPr lang="en-SG" dirty="0"/>
           </a:p>
         </p:txBody>
       </p:sp>
@@ -931,7 +931,7 @@
               <a:rPr lang="en-SG" smtClean="0"/>
               <a:t>‹#›</a:t>
             </a:fld>
-            <a:endParaRPr lang="en-SG"/>
+            <a:endParaRPr lang="en-SG" dirty="0"/>
           </a:p>
         </p:txBody>
       </p:sp>
@@ -1151,9 +1151,9 @@
           <a:p>
             <a:fld id="{03EC4E3E-8101-482F-A883-8B55DAFF7C07}" type="datetimeFigureOut">
               <a:rPr lang="en-SG" smtClean="0"/>
-              <a:t>30/7/2017</a:t>
+              <a:t>13/11/2017</a:t>
             </a:fld>
-            <a:endParaRPr lang="en-SG"/>
+            <a:endParaRPr lang="en-SG" dirty="0"/>
           </a:p>
         </p:txBody>
       </p:sp>
@@ -1178,7 +1178,7 @@
           <a:bodyPr/>
           <a:lstStyle/>
           <a:p>
-            <a:endParaRPr lang="en-SG"/>
+            <a:endParaRPr lang="en-SG" dirty="0"/>
           </a:p>
         </p:txBody>
       </p:sp>
@@ -1207,7 +1207,7 @@
               <a:rPr lang="en-SG" smtClean="0"/>
               <a:t>‹#›</a:t>
             </a:fld>
-            <a:endParaRPr lang="en-SG"/>
+            <a:endParaRPr lang="en-SG" dirty="0"/>
           </a:p>
         </p:txBody>
       </p:sp>
@@ -1419,9 +1419,9 @@
           <a:p>
             <a:fld id="{03EC4E3E-8101-482F-A883-8B55DAFF7C07}" type="datetimeFigureOut">
               <a:rPr lang="en-SG" smtClean="0"/>
-              <a:t>30/7/2017</a:t>
+              <a:t>13/11/2017</a:t>
             </a:fld>
-            <a:endParaRPr lang="en-SG"/>
+            <a:endParaRPr lang="en-SG" dirty="0"/>
           </a:p>
         </p:txBody>
       </p:sp>
@@ -1446,7 +1446,7 @@
           <a:bodyPr/>
           <a:lstStyle/>
           <a:p>
-            <a:endParaRPr lang="en-SG"/>
+            <a:endParaRPr lang="en-SG" dirty="0"/>
           </a:p>
         </p:txBody>
       </p:sp>
@@ -1475,7 +1475,7 @@
               <a:rPr lang="en-SG" smtClean="0"/>
               <a:t>‹#›</a:t>
             </a:fld>
-            <a:endParaRPr lang="en-SG"/>
+            <a:endParaRPr lang="en-SG" dirty="0"/>
           </a:p>
         </p:txBody>
       </p:sp>
@@ -1834,9 +1834,9 @@
           <a:p>
             <a:fld id="{03EC4E3E-8101-482F-A883-8B55DAFF7C07}" type="datetimeFigureOut">
               <a:rPr lang="en-SG" smtClean="0"/>
-              <a:t>30/7/2017</a:t>
+              <a:t>13/11/2017</a:t>
             </a:fld>
-            <a:endParaRPr lang="en-SG"/>
+            <a:endParaRPr lang="en-SG" dirty="0"/>
           </a:p>
         </p:txBody>
       </p:sp>
@@ -1861,7 +1861,7 @@
           <a:bodyPr/>
           <a:lstStyle/>
           <a:p>
-            <a:endParaRPr lang="en-SG"/>
+            <a:endParaRPr lang="en-SG" dirty="0"/>
           </a:p>
         </p:txBody>
       </p:sp>
@@ -1890,7 +1890,7 @@
               <a:rPr lang="en-SG" smtClean="0"/>
               <a:t>‹#›</a:t>
             </a:fld>
-            <a:endParaRPr lang="en-SG"/>
+            <a:endParaRPr lang="en-SG" dirty="0"/>
           </a:p>
         </p:txBody>
       </p:sp>
@@ -1976,9 +1976,9 @@
           <a:p>
             <a:fld id="{03EC4E3E-8101-482F-A883-8B55DAFF7C07}" type="datetimeFigureOut">
               <a:rPr lang="en-SG" smtClean="0"/>
-              <a:t>30/7/2017</a:t>
+              <a:t>13/11/2017</a:t>
             </a:fld>
-            <a:endParaRPr lang="en-SG"/>
+            <a:endParaRPr lang="en-SG" dirty="0"/>
           </a:p>
         </p:txBody>
       </p:sp>
@@ -2003,7 +2003,7 @@
           <a:bodyPr/>
           <a:lstStyle/>
           <a:p>
-            <a:endParaRPr lang="en-SG"/>
+            <a:endParaRPr lang="en-SG" dirty="0"/>
           </a:p>
         </p:txBody>
       </p:sp>
@@ -2032,7 +2032,7 @@
               <a:rPr lang="en-SG" smtClean="0"/>
               <a:t>‹#›</a:t>
             </a:fld>
-            <a:endParaRPr lang="en-SG"/>
+            <a:endParaRPr lang="en-SG" dirty="0"/>
           </a:p>
         </p:txBody>
       </p:sp>
@@ -2089,9 +2089,9 @@
           <a:p>
             <a:fld id="{03EC4E3E-8101-482F-A883-8B55DAFF7C07}" type="datetimeFigureOut">
               <a:rPr lang="en-SG" smtClean="0"/>
-              <a:t>30/7/2017</a:t>
+              <a:t>13/11/2017</a:t>
             </a:fld>
-            <a:endParaRPr lang="en-SG"/>
+            <a:endParaRPr lang="en-SG" dirty="0"/>
           </a:p>
         </p:txBody>
       </p:sp>
@@ -2116,7 +2116,7 @@
           <a:bodyPr/>
           <a:lstStyle/>
           <a:p>
-            <a:endParaRPr lang="en-SG"/>
+            <a:endParaRPr lang="en-SG" dirty="0"/>
           </a:p>
         </p:txBody>
       </p:sp>
@@ -2145,7 +2145,7 @@
               <a:rPr lang="en-SG" smtClean="0"/>
               <a:t>‹#›</a:t>
             </a:fld>
-            <a:endParaRPr lang="en-SG"/>
+            <a:endParaRPr lang="en-SG" dirty="0"/>
           </a:p>
         </p:txBody>
       </p:sp>
@@ -2402,9 +2402,9 @@
           <a:p>
             <a:fld id="{03EC4E3E-8101-482F-A883-8B55DAFF7C07}" type="datetimeFigureOut">
               <a:rPr lang="en-SG" smtClean="0"/>
-              <a:t>30/7/2017</a:t>
+              <a:t>13/11/2017</a:t>
             </a:fld>
-            <a:endParaRPr lang="en-SG"/>
+            <a:endParaRPr lang="en-SG" dirty="0"/>
           </a:p>
         </p:txBody>
       </p:sp>
@@ -2429,7 +2429,7 @@
           <a:bodyPr/>
           <a:lstStyle/>
           <a:p>
-            <a:endParaRPr lang="en-SG"/>
+            <a:endParaRPr lang="en-SG" dirty="0"/>
           </a:p>
         </p:txBody>
       </p:sp>
@@ -2458,7 +2458,7 @@
               <a:rPr lang="en-SG" smtClean="0"/>
               <a:t>‹#›</a:t>
             </a:fld>
-            <a:endParaRPr lang="en-SG"/>
+            <a:endParaRPr lang="en-SG" dirty="0"/>
           </a:p>
         </p:txBody>
       </p:sp>
@@ -2593,7 +2593,7 @@
             </a:lvl9pPr>
           </a:lstStyle>
           <a:p>
-            <a:endParaRPr lang="en-SG"/>
+            <a:endParaRPr lang="en-SG" dirty="0"/>
           </a:p>
         </p:txBody>
       </p:sp>
@@ -2691,9 +2691,9 @@
           <a:p>
             <a:fld id="{03EC4E3E-8101-482F-A883-8B55DAFF7C07}" type="datetimeFigureOut">
               <a:rPr lang="en-SG" smtClean="0"/>
-              <a:t>30/7/2017</a:t>
+              <a:t>13/11/2017</a:t>
             </a:fld>
-            <a:endParaRPr lang="en-SG"/>
+            <a:endParaRPr lang="en-SG" dirty="0"/>
           </a:p>
         </p:txBody>
       </p:sp>
@@ -2718,7 +2718,7 @@
           <a:bodyPr/>
           <a:lstStyle/>
           <a:p>
-            <a:endParaRPr lang="en-SG"/>
+            <a:endParaRPr lang="en-SG" dirty="0"/>
           </a:p>
         </p:txBody>
       </p:sp>
@@ -2747,7 +2747,7 @@
               <a:rPr lang="en-SG" smtClean="0"/>
               <a:t>‹#›</a:t>
             </a:fld>
-            <a:endParaRPr lang="en-SG"/>
+            <a:endParaRPr lang="en-SG" dirty="0"/>
           </a:p>
         </p:txBody>
       </p:sp>
@@ -2934,9 +2934,9 @@
           <a:p>
             <a:fld id="{03EC4E3E-8101-482F-A883-8B55DAFF7C07}" type="datetimeFigureOut">
               <a:rPr lang="en-SG" smtClean="0"/>
-              <a:t>30/7/2017</a:t>
+              <a:t>13/11/2017</a:t>
             </a:fld>
-            <a:endParaRPr lang="en-SG"/>
+            <a:endParaRPr lang="en-SG" dirty="0"/>
           </a:p>
         </p:txBody>
       </p:sp>
@@ -2979,7 +2979,7 @@
             </a:lvl1pPr>
           </a:lstStyle>
           <a:p>
-            <a:endParaRPr lang="en-SG"/>
+            <a:endParaRPr lang="en-SG" dirty="0"/>
           </a:p>
         </p:txBody>
       </p:sp>
@@ -3026,7 +3026,7 @@
               <a:rPr lang="en-SG" smtClean="0"/>
               <a:t>‹#›</a:t>
             </a:fld>
-            <a:endParaRPr lang="en-SG"/>
+            <a:endParaRPr lang="en-SG" dirty="0"/>
           </a:p>
         </p:txBody>
       </p:sp>
@@ -3463,7 +3463,7 @@
             <a:lstStyle/>
             <a:p>
               <a:pPr algn="ctr"/>
-              <a:endParaRPr lang="en-SG"/>
+              <a:endParaRPr lang="en-SG" dirty="0"/>
             </a:p>
           </p:txBody>
         </p:sp>
@@ -3517,7 +3517,7 @@
             <a:lstStyle/>
             <a:p>
               <a:pPr algn="ctr"/>
-              <a:endParaRPr lang="en-SG"/>
+              <a:endParaRPr lang="en-SG" dirty="0"/>
             </a:p>
           </p:txBody>
         </p:sp>
@@ -3552,14 +3552,11 @@
           <a:p>
             <a:pPr algn="ctr"/>
             <a:r>
-              <a:rPr lang="en-SG" dirty="0" err="1">
+              <a:rPr lang="en-SG" dirty="0">
                 <a:latin typeface="Consolas" panose="020B0609020204030204" pitchFamily="49" charset="0"/>
               </a:rPr>
               <a:t>undoStack</a:t>
             </a:r>
-            <a:endParaRPr lang="en-SG" dirty="0">
-              <a:latin typeface="Consolas" panose="020B0609020204030204" pitchFamily="49" charset="0"/>
-            </a:endParaRPr>
           </a:p>
         </p:txBody>
       </p:sp>
@@ -3593,14 +3590,11 @@
           <a:p>
             <a:pPr algn="ctr"/>
             <a:r>
-              <a:rPr lang="en-SG" dirty="0" err="1">
+              <a:rPr lang="en-SG" dirty="0">
                 <a:latin typeface="Consolas" panose="020B0609020204030204" pitchFamily="49" charset="0"/>
               </a:rPr>
               <a:t>redoStack</a:t>
             </a:r>
-            <a:endParaRPr lang="en-SG" dirty="0">
-              <a:latin typeface="Consolas" panose="020B0609020204030204" pitchFamily="49" charset="0"/>
-            </a:endParaRPr>
           </a:p>
         </p:txBody>
       </p:sp>
@@ -3716,7 +3710,7 @@
             <a:lstStyle/>
             <a:p>
               <a:pPr algn="ctr"/>
-              <a:endParaRPr lang="en-SG"/>
+              <a:endParaRPr lang="en-SG" dirty="0"/>
             </a:p>
           </p:txBody>
         </p:sp>
@@ -3770,7 +3764,7 @@
             <a:lstStyle/>
             <a:p>
               <a:pPr algn="ctr"/>
-              <a:endParaRPr lang="en-SG"/>
+              <a:endParaRPr lang="en-SG" dirty="0"/>
             </a:p>
           </p:txBody>
         </p:sp>
@@ -3836,7 +3830,7 @@
             <a:lstStyle/>
             <a:p>
               <a:pPr algn="ctr"/>
-              <a:endParaRPr lang="en-SG"/>
+              <a:endParaRPr lang="en-SG" dirty="0"/>
             </a:p>
           </p:txBody>
         </p:sp>
@@ -3890,7 +3884,7 @@
             <a:lstStyle/>
             <a:p>
               <a:pPr algn="ctr"/>
-              <a:endParaRPr lang="en-SG"/>
+              <a:endParaRPr lang="en-SG" dirty="0"/>
             </a:p>
           </p:txBody>
         </p:sp>
@@ -3925,14 +3919,11 @@
           <a:p>
             <a:pPr algn="ctr"/>
             <a:r>
-              <a:rPr lang="en-SG" dirty="0" err="1">
+              <a:rPr lang="en-SG" dirty="0">
                 <a:latin typeface="Consolas" panose="020B0609020204030204" pitchFamily="49" charset="0"/>
               </a:rPr>
               <a:t>undoStack</a:t>
             </a:r>
-            <a:endParaRPr lang="en-SG" dirty="0">
-              <a:latin typeface="Consolas" panose="020B0609020204030204" pitchFamily="49" charset="0"/>
-            </a:endParaRPr>
           </a:p>
         </p:txBody>
       </p:sp>
@@ -3966,14 +3957,11 @@
           <a:p>
             <a:pPr algn="ctr"/>
             <a:r>
-              <a:rPr lang="en-SG" dirty="0" err="1">
+              <a:rPr lang="en-SG" dirty="0">
                 <a:latin typeface="Consolas" panose="020B0609020204030204" pitchFamily="49" charset="0"/>
               </a:rPr>
               <a:t>redoStack</a:t>
             </a:r>
-            <a:endParaRPr lang="en-SG" dirty="0">
-              <a:latin typeface="Consolas" panose="020B0609020204030204" pitchFamily="49" charset="0"/>
-            </a:endParaRPr>
           </a:p>
         </p:txBody>
       </p:sp>
@@ -4038,7 +4026,7 @@
             <a:lstStyle/>
             <a:p>
               <a:pPr algn="ctr"/>
-              <a:endParaRPr lang="en-SG"/>
+              <a:endParaRPr lang="en-SG" dirty="0"/>
             </a:p>
           </p:txBody>
         </p:sp>
@@ -4092,7 +4080,7 @@
             <a:lstStyle/>
             <a:p>
               <a:pPr algn="ctr"/>
-              <a:endParaRPr lang="en-SG"/>
+              <a:endParaRPr lang="en-SG" dirty="0"/>
             </a:p>
           </p:txBody>
         </p:sp>
@@ -4112,7 +4100,7 @@
           <p:nvPr>
             <p:extLst>
               <p:ext uri="{D42A27DB-BD31-4B8C-83A1-F6EECF244321}">
-                <p14:modId xmlns:p14="http://schemas.microsoft.com/office/powerpoint/2010/main" val="1020086057"/>
+                <p14:modId xmlns:p14="http://schemas.microsoft.com/office/powerpoint/2010/main" val="1664183053"/>
               </p:ext>
             </p:extLst>
           </p:nvPr>
@@ -4144,13 +4132,8 @@
                     <a:p>
                       <a:r>
                         <a:rPr lang="en-SG" u="sng" dirty="0"/>
-                        <a:t>:</a:t>
+                        <a:t>:AddCommand</a:t>
                       </a:r>
-                      <a:r>
-                        <a:rPr lang="en-SG" u="sng" dirty="0" err="1"/>
-                        <a:t>AddCommand</a:t>
-                      </a:r>
-                      <a:endParaRPr lang="en-SG" u="sng" dirty="0"/>
                     </a:p>
                   </a:txBody>
                   <a:tcPr>
@@ -4180,22 +4163,14 @@
                     <a:lstStyle/>
                     <a:p>
                       <a:r>
-                        <a:rPr lang="en-SG" dirty="0" err="1"/>
-                        <a:t>toAdd</a:t>
-                      </a:r>
-                      <a:r>
                         <a:rPr lang="en-SG" dirty="0"/>
-                        <a:t> = “Name: David”</a:t>
+                        <a:t>toAdd = “Name: David”</a:t>
                       </a:r>
                     </a:p>
                     <a:p>
                       <a:r>
-                        <a:rPr lang="en-SG" dirty="0" err="1"/>
-                        <a:t>prevAddressBook</a:t>
-                      </a:r>
-                      <a:r>
                         <a:rPr lang="en-SG" dirty="0"/>
-                        <a:t> = s2</a:t>
+                        <a:t>person = $David </a:t>
                       </a:r>
                     </a:p>
                   </a:txBody>
@@ -4238,7 +4213,7 @@
           <p:nvPr>
             <p:extLst>
               <p:ext uri="{D42A27DB-BD31-4B8C-83A1-F6EECF244321}">
-                <p14:modId xmlns:p14="http://schemas.microsoft.com/office/powerpoint/2010/main" val="1585306302"/>
+                <p14:modId xmlns:p14="http://schemas.microsoft.com/office/powerpoint/2010/main" val="3453160111"/>
               </p:ext>
             </p:extLst>
           </p:nvPr>
@@ -4270,13 +4245,8 @@
                     <a:p>
                       <a:r>
                         <a:rPr lang="en-SG" u="sng" dirty="0"/>
-                        <a:t>:</a:t>
+                        <a:t>:AddCommand</a:t>
                       </a:r>
-                      <a:r>
-                        <a:rPr lang="en-SG" u="sng" dirty="0" err="1"/>
-                        <a:t>AddCommand</a:t>
-                      </a:r>
-                      <a:endParaRPr lang="en-SG" u="sng" dirty="0"/>
                     </a:p>
                   </a:txBody>
                   <a:tcPr>
@@ -4306,22 +4276,14 @@
                     <a:lstStyle/>
                     <a:p>
                       <a:r>
-                        <a:rPr lang="en-SG" dirty="0" err="1"/>
-                        <a:t>toAdd</a:t>
-                      </a:r>
-                      <a:r>
                         <a:rPr lang="en-SG" dirty="0"/>
-                        <a:t> = “Name: David”</a:t>
+                        <a:t>toAdd = “Name: David”</a:t>
                       </a:r>
                     </a:p>
                     <a:p>
                       <a:r>
-                        <a:rPr lang="en-SG" dirty="0" err="1"/>
-                        <a:t>prevAddressBook</a:t>
-                      </a:r>
-                      <a:r>
-                        <a:rPr lang="en-SG" dirty="0"/>
-                        <a:t> = s2</a:t>
+                        <a:rPr lang="en-SG" altLang="zh-CN" dirty="0"/>
+                        <a:t>person = $David </a:t>
                       </a:r>
                     </a:p>
                   </a:txBody>
@@ -4364,7 +4326,7 @@
           <p:nvPr>
             <p:extLst>
               <p:ext uri="{D42A27DB-BD31-4B8C-83A1-F6EECF244321}">
-                <p14:modId xmlns:p14="http://schemas.microsoft.com/office/powerpoint/2010/main" val="1691726670"/>
+                <p14:modId xmlns:p14="http://schemas.microsoft.com/office/powerpoint/2010/main" val="2997886193"/>
               </p:ext>
             </p:extLst>
           </p:nvPr>
@@ -4396,13 +4358,8 @@
                     <a:p>
                       <a:r>
                         <a:rPr lang="en-SG" u="sng" dirty="0"/>
-                        <a:t>:</a:t>
+                        <a:t>:DeleteCommand</a:t>
                       </a:r>
-                      <a:r>
-                        <a:rPr lang="en-SG" u="sng" dirty="0" err="1"/>
-                        <a:t>DeleteCommand</a:t>
-                      </a:r>
-                      <a:endParaRPr lang="en-SG" u="sng" dirty="0"/>
                     </a:p>
                   </a:txBody>
                   <a:tcPr>
@@ -4432,22 +4389,14 @@
                     <a:lstStyle/>
                     <a:p>
                       <a:r>
-                        <a:rPr lang="en-SG" dirty="0" err="1"/>
-                        <a:t>targetIndex</a:t>
-                      </a:r>
-                      <a:r>
                         <a:rPr lang="en-SG" dirty="0"/>
-                        <a:t> = 5</a:t>
+                        <a:t>targetIndex = 5</a:t>
                       </a:r>
                     </a:p>
                     <a:p>
                       <a:r>
-                        <a:rPr lang="en-SG" dirty="0" err="1"/>
-                        <a:t>prevAddressBook</a:t>
-                      </a:r>
-                      <a:r>
-                        <a:rPr lang="en-SG" dirty="0"/>
-                        <a:t> = s3</a:t>
+                        <a:rPr lang="en-SG" altLang="zh-CN" dirty="0"/>
+                        <a:t>personToDelete = $5</a:t>
                       </a:r>
                     </a:p>
                   </a:txBody>
@@ -4490,7 +4439,7 @@
           <p:nvPr>
             <p:extLst>
               <p:ext uri="{D42A27DB-BD31-4B8C-83A1-F6EECF244321}">
-                <p14:modId xmlns:p14="http://schemas.microsoft.com/office/powerpoint/2010/main" val="1518349996"/>
+                <p14:modId xmlns:p14="http://schemas.microsoft.com/office/powerpoint/2010/main" val="1103916910"/>
               </p:ext>
             </p:extLst>
           </p:nvPr>
@@ -4522,13 +4471,8 @@
                     <a:p>
                       <a:r>
                         <a:rPr lang="en-SG" u="sng" dirty="0"/>
-                        <a:t>:</a:t>
+                        <a:t>:DeleteCommand</a:t>
                       </a:r>
-                      <a:r>
-                        <a:rPr lang="en-SG" u="sng" dirty="0" err="1"/>
-                        <a:t>DeleteCommand</a:t>
-                      </a:r>
-                      <a:endParaRPr lang="en-SG" u="sng" dirty="0"/>
                     </a:p>
                   </a:txBody>
                   <a:tcPr>
@@ -4558,22 +4502,14 @@
                     <a:lstStyle/>
                     <a:p>
                       <a:r>
-                        <a:rPr lang="en-SG" dirty="0" err="1"/>
-                        <a:t>targetIndex</a:t>
-                      </a:r>
-                      <a:r>
                         <a:rPr lang="en-SG" dirty="0"/>
-                        <a:t> = 5</a:t>
+                        <a:t>targetIndex = 5</a:t>
                       </a:r>
                     </a:p>
                     <a:p>
                       <a:r>
-                        <a:rPr lang="en-SG" dirty="0" err="1"/>
-                        <a:t>prevAddressBook</a:t>
-                      </a:r>
-                      <a:r>
                         <a:rPr lang="en-SG" dirty="0"/>
-                        <a:t> = s3</a:t>
+                        <a:t>personToDelete = $5</a:t>
                       </a:r>
                     </a:p>
                   </a:txBody>
